--- a/McDonalds_Financial_Dashboard_Summary1.pptx
+++ b/McDonalds_Financial_Dashboard_Summary1.pptx
@@ -16942,7 +16942,7 @@
             <a:endParaRPr lang="en-IN" dirty="0"/>
           </a:p>
           <a:p>
-            <a:endParaRPr dirty="0"/>
+            <a:endParaRPr lang="en-IN" dirty="0"/>
           </a:p>
           <a:p>
             <a:endParaRPr lang="en-IN" dirty="0"/>
@@ -16990,7 +16990,7 @@
         </p:blipFill>
         <p:spPr>
           <a:xfrm>
-            <a:off x="979592" y="1132253"/>
+            <a:off x="3998095" y="640640"/>
             <a:ext cx="3388391" cy="1758430"/>
           </a:xfrm>
           <a:prstGeom prst="rect">
